--- a/docs/ZeroShot_NLQL_RolandoSánchezRamos_C411.pptx
+++ b/docs/ZeroShot_NLQL_RolandoSánchezRamos_C411.pptx
@@ -118,6 +118,11 @@
       </a:defRPr>
     </a:lvl9pPr>
   </p:defaultTextStyle>
+  <p:extLst>
+    <p:ext uri="{EFAFB233-063F-42B5-8137-9DF3F51BA10A}">
+      <p15:sldGuideLst xmlns:p15="http://schemas.microsoft.com/office/powerpoint/2012/main"/>
+    </p:ext>
+  </p:extLst>
 </p:presentation>
 </file>
 
@@ -843,7 +848,7 @@
           <a:p>
             <a:fld id="{6070A2DD-2678-4F78-B020-B062BAC05ADC}" type="datetimeFigureOut">
               <a:rPr lang="es-ES" smtClean="0"/>
-              <a:t>01/05/2023</a:t>
+              <a:t>02/05/2023</a:t>
             </a:fld>
             <a:endParaRPr lang="es-ES"/>
           </a:p>
@@ -1094,7 +1099,7 @@
           <a:p>
             <a:fld id="{6070A2DD-2678-4F78-B020-B062BAC05ADC}" type="datetimeFigureOut">
               <a:rPr lang="es-ES" smtClean="0"/>
-              <a:t>01/05/2023</a:t>
+              <a:t>02/05/2023</a:t>
             </a:fld>
             <a:endParaRPr lang="es-ES"/>
           </a:p>
@@ -1408,7 +1413,7 @@
           <a:p>
             <a:fld id="{6070A2DD-2678-4F78-B020-B062BAC05ADC}" type="datetimeFigureOut">
               <a:rPr lang="es-ES" smtClean="0"/>
-              <a:t>01/05/2023</a:t>
+              <a:t>02/05/2023</a:t>
             </a:fld>
             <a:endParaRPr lang="es-ES"/>
           </a:p>
@@ -1749,7 +1754,7 @@
           <a:p>
             <a:fld id="{6070A2DD-2678-4F78-B020-B062BAC05ADC}" type="datetimeFigureOut">
               <a:rPr lang="es-ES" smtClean="0"/>
-              <a:t>01/05/2023</a:t>
+              <a:t>02/05/2023</a:t>
             </a:fld>
             <a:endParaRPr lang="es-ES"/>
           </a:p>
@@ -2063,7 +2068,7 @@
           <a:p>
             <a:fld id="{6070A2DD-2678-4F78-B020-B062BAC05ADC}" type="datetimeFigureOut">
               <a:rPr lang="es-ES" smtClean="0"/>
-              <a:t>01/05/2023</a:t>
+              <a:t>02/05/2023</a:t>
             </a:fld>
             <a:endParaRPr lang="es-ES"/>
           </a:p>
@@ -2456,7 +2461,7 @@
           <a:p>
             <a:fld id="{6070A2DD-2678-4F78-B020-B062BAC05ADC}" type="datetimeFigureOut">
               <a:rPr lang="es-ES" smtClean="0"/>
-              <a:t>01/05/2023</a:t>
+              <a:t>02/05/2023</a:t>
             </a:fld>
             <a:endParaRPr lang="es-ES"/>
           </a:p>
@@ -2626,7 +2631,7 @@
           <a:p>
             <a:fld id="{6070A2DD-2678-4F78-B020-B062BAC05ADC}" type="datetimeFigureOut">
               <a:rPr lang="es-ES" smtClean="0"/>
-              <a:t>01/05/2023</a:t>
+              <a:t>02/05/2023</a:t>
             </a:fld>
             <a:endParaRPr lang="es-ES"/>
           </a:p>
@@ -2806,7 +2811,7 @@
           <a:p>
             <a:fld id="{6070A2DD-2678-4F78-B020-B062BAC05ADC}" type="datetimeFigureOut">
               <a:rPr lang="es-ES" smtClean="0"/>
-              <a:t>01/05/2023</a:t>
+              <a:t>02/05/2023</a:t>
             </a:fld>
             <a:endParaRPr lang="es-ES"/>
           </a:p>
@@ -2982,7 +2987,7 @@
           <a:p>
             <a:fld id="{6070A2DD-2678-4F78-B020-B062BAC05ADC}" type="datetimeFigureOut">
               <a:rPr lang="es-ES" smtClean="0"/>
-              <a:t>01/05/2023</a:t>
+              <a:t>02/05/2023</a:t>
             </a:fld>
             <a:endParaRPr lang="es-ES"/>
           </a:p>
@@ -3229,7 +3234,7 @@
           <a:p>
             <a:fld id="{6070A2DD-2678-4F78-B020-B062BAC05ADC}" type="datetimeFigureOut">
               <a:rPr lang="es-ES" smtClean="0"/>
-              <a:t>01/05/2023</a:t>
+              <a:t>02/05/2023</a:t>
             </a:fld>
             <a:endParaRPr lang="es-ES"/>
           </a:p>
@@ -3461,7 +3466,7 @@
           <a:p>
             <a:fld id="{6070A2DD-2678-4F78-B020-B062BAC05ADC}" type="datetimeFigureOut">
               <a:rPr lang="es-ES" smtClean="0"/>
-              <a:t>01/05/2023</a:t>
+              <a:t>02/05/2023</a:t>
             </a:fld>
             <a:endParaRPr lang="es-ES"/>
           </a:p>
@@ -3835,7 +3840,7 @@
           <a:p>
             <a:fld id="{6070A2DD-2678-4F78-B020-B062BAC05ADC}" type="datetimeFigureOut">
               <a:rPr lang="es-ES" smtClean="0"/>
-              <a:t>01/05/2023</a:t>
+              <a:t>02/05/2023</a:t>
             </a:fld>
             <a:endParaRPr lang="es-ES"/>
           </a:p>
@@ -3958,7 +3963,7 @@
           <a:p>
             <a:fld id="{6070A2DD-2678-4F78-B020-B062BAC05ADC}" type="datetimeFigureOut">
               <a:rPr lang="es-ES" smtClean="0"/>
-              <a:t>01/05/2023</a:t>
+              <a:t>02/05/2023</a:t>
             </a:fld>
             <a:endParaRPr lang="es-ES"/>
           </a:p>
@@ -4053,7 +4058,7 @@
           <a:p>
             <a:fld id="{6070A2DD-2678-4F78-B020-B062BAC05ADC}" type="datetimeFigureOut">
               <a:rPr lang="es-ES" smtClean="0"/>
-              <a:t>01/05/2023</a:t>
+              <a:t>02/05/2023</a:t>
             </a:fld>
             <a:endParaRPr lang="es-ES"/>
           </a:p>
@@ -4308,7 +4313,7 @@
           <a:p>
             <a:fld id="{6070A2DD-2678-4F78-B020-B062BAC05ADC}" type="datetimeFigureOut">
               <a:rPr lang="es-ES" smtClean="0"/>
-              <a:t>01/05/2023</a:t>
+              <a:t>02/05/2023</a:t>
             </a:fld>
             <a:endParaRPr lang="es-ES"/>
           </a:p>
@@ -4571,7 +4576,7 @@
           <a:p>
             <a:fld id="{6070A2DD-2678-4F78-B020-B062BAC05ADC}" type="datetimeFigureOut">
               <a:rPr lang="es-ES" smtClean="0"/>
-              <a:t>01/05/2023</a:t>
+              <a:t>02/05/2023</a:t>
             </a:fld>
             <a:endParaRPr lang="es-ES"/>
           </a:p>
@@ -5314,7 +5319,7 @@
           <a:p>
             <a:fld id="{6070A2DD-2678-4F78-B020-B062BAC05ADC}" type="datetimeFigureOut">
               <a:rPr lang="es-ES" smtClean="0"/>
-              <a:t>01/05/2023</a:t>
+              <a:t>02/05/2023</a:t>
             </a:fld>
             <a:endParaRPr lang="es-ES"/>
           </a:p>
@@ -6618,7 +6623,15 @@
           <a:p>
             <a:r>
               <a:rPr lang="es-ES" dirty="0"/>
-              <a:t>El sistema implementado logra un precisión del 45.47%.</a:t>
+              <a:t>El sistema implementado logra un precisión </a:t>
+            </a:r>
+            <a:r>
+              <a:rPr lang="es-ES"/>
+              <a:t>del 45.37</a:t>
+            </a:r>
+            <a:r>
+              <a:rPr lang="es-ES" dirty="0"/>
+              <a:t>%.</a:t>
             </a:r>
           </a:p>
           <a:p>
